--- a/ES/es.pptx
+++ b/ES/es.pptx
@@ -1904,7 +1904,7 @@
           <p:cNvPr id="8" name="Picture 7">
             <a:extLst>
               <a:ext uri="{FF2B5EF4-FFF2-40B4-BE49-F238E27FC236}">
-                <a16:creationId xmlns="" xmlns:a16="http://schemas.microsoft.com/office/drawing/2014/main" id="{1CF45043-0DF6-7844-A454-194D648F98F1}"/>
+                <a16:creationId xmlns:a16="http://schemas.microsoft.com/office/drawing/2014/main" xmlns="" id="{1CF45043-0DF6-7844-A454-194D648F98F1}"/>
               </a:ext>
             </a:extLst>
           </p:cNvPr>
@@ -1934,7 +1934,7 @@
           <p:cNvPr id="10" name="Title 8">
             <a:extLst>
               <a:ext uri="{FF2B5EF4-FFF2-40B4-BE49-F238E27FC236}">
-                <a16:creationId xmlns="" xmlns:a16="http://schemas.microsoft.com/office/drawing/2014/main" id="{353C5CCE-34CF-4745-B8D7-AF744DB56245}"/>
+                <a16:creationId xmlns:a16="http://schemas.microsoft.com/office/drawing/2014/main" xmlns="" id="{353C5CCE-34CF-4745-B8D7-AF744DB56245}"/>
               </a:ext>
             </a:extLst>
           </p:cNvPr>
@@ -2645,7 +2645,7 @@
           <p:cNvPr id="10" name="Title 1">
             <a:extLst>
               <a:ext uri="{FF2B5EF4-FFF2-40B4-BE49-F238E27FC236}">
-                <a16:creationId xmlns="" xmlns:a16="http://schemas.microsoft.com/office/drawing/2014/main" id="{B4B68A2E-49F8-4BDA-BD1A-488169336555}"/>
+                <a16:creationId xmlns:a16="http://schemas.microsoft.com/office/drawing/2014/main" xmlns="" id="{B4B68A2E-49F8-4BDA-BD1A-488169336555}"/>
               </a:ext>
             </a:extLst>
           </p:cNvPr>
@@ -2980,7 +2980,7 @@
           <p:cNvPr id="8" name="Picture 7">
             <a:extLst>
               <a:ext uri="{FF2B5EF4-FFF2-40B4-BE49-F238E27FC236}">
-                <a16:creationId xmlns="" xmlns:a16="http://schemas.microsoft.com/office/drawing/2014/main" id="{1CF45043-0DF6-7844-A454-194D648F98F1}"/>
+                <a16:creationId xmlns:a16="http://schemas.microsoft.com/office/drawing/2014/main" xmlns="" id="{1CF45043-0DF6-7844-A454-194D648F98F1}"/>
               </a:ext>
             </a:extLst>
           </p:cNvPr>
@@ -3010,7 +3010,7 @@
           <p:cNvPr id="10" name="Title 8">
             <a:extLst>
               <a:ext uri="{FF2B5EF4-FFF2-40B4-BE49-F238E27FC236}">
-                <a16:creationId xmlns="" xmlns:a16="http://schemas.microsoft.com/office/drawing/2014/main" id="{353C5CCE-34CF-4745-B8D7-AF744DB56245}"/>
+                <a16:creationId xmlns:a16="http://schemas.microsoft.com/office/drawing/2014/main" xmlns="" id="{353C5CCE-34CF-4745-B8D7-AF744DB56245}"/>
               </a:ext>
             </a:extLst>
           </p:cNvPr>
@@ -3225,7 +3225,7 @@
           <p:cNvPr id="7" name="Picture 6">
             <a:extLst>
               <a:ext uri="{FF2B5EF4-FFF2-40B4-BE49-F238E27FC236}">
-                <a16:creationId xmlns="" xmlns:a16="http://schemas.microsoft.com/office/drawing/2014/main" id="{19906801-963A-2748-A48D-2607EEFEA3B7}"/>
+                <a16:creationId xmlns:a16="http://schemas.microsoft.com/office/drawing/2014/main" xmlns="" id="{19906801-963A-2748-A48D-2607EEFEA3B7}"/>
               </a:ext>
             </a:extLst>
           </p:cNvPr>
@@ -3927,7 +3927,7 @@
           <p:cNvPr id="9" name="Picture 8">
             <a:extLst>
               <a:ext uri="{FF2B5EF4-FFF2-40B4-BE49-F238E27FC236}">
-                <a16:creationId xmlns="" xmlns:a16="http://schemas.microsoft.com/office/drawing/2014/main" id="{21C47469-3B03-E44C-89B5-F697BC2200BB}"/>
+                <a16:creationId xmlns:a16="http://schemas.microsoft.com/office/drawing/2014/main" xmlns="" id="{21C47469-3B03-E44C-89B5-F697BC2200BB}"/>
               </a:ext>
             </a:extLst>
           </p:cNvPr>
@@ -4378,7 +4378,7 @@
           <p:cNvPr id="7" name="Picture 6">
             <a:extLst>
               <a:ext uri="{FF2B5EF4-FFF2-40B4-BE49-F238E27FC236}">
-                <a16:creationId xmlns="" xmlns:a16="http://schemas.microsoft.com/office/drawing/2014/main" id="{19906801-963A-2748-A48D-2607EEFEA3B7}"/>
+                <a16:creationId xmlns:a16="http://schemas.microsoft.com/office/drawing/2014/main" xmlns="" id="{19906801-963A-2748-A48D-2607EEFEA3B7}"/>
               </a:ext>
             </a:extLst>
           </p:cNvPr>
@@ -5707,7 +5707,7 @@
           <p:cNvPr id="10" name="Title 1">
             <a:extLst>
               <a:ext uri="{FF2B5EF4-FFF2-40B4-BE49-F238E27FC236}">
-                <a16:creationId xmlns="" xmlns:a16="http://schemas.microsoft.com/office/drawing/2014/main" id="{B4B68A2E-49F8-4BDA-BD1A-488169336555}"/>
+                <a16:creationId xmlns:a16="http://schemas.microsoft.com/office/drawing/2014/main" xmlns="" id="{B4B68A2E-49F8-4BDA-BD1A-488169336555}"/>
               </a:ext>
             </a:extLst>
           </p:cNvPr>
@@ -5918,7 +5918,7 @@
           <p:cNvPr id="8" name="Picture 7">
             <a:extLst>
               <a:ext uri="{FF2B5EF4-FFF2-40B4-BE49-F238E27FC236}">
-                <a16:creationId xmlns="" xmlns:a16="http://schemas.microsoft.com/office/drawing/2014/main" id="{1CF45043-0DF6-7844-A454-194D648F98F1}"/>
+                <a16:creationId xmlns:a16="http://schemas.microsoft.com/office/drawing/2014/main" xmlns="" id="{1CF45043-0DF6-7844-A454-194D648F98F1}"/>
               </a:ext>
             </a:extLst>
           </p:cNvPr>
@@ -6079,7 +6079,7 @@
           <p:cNvPr id="7" name="Picture 6">
             <a:extLst>
               <a:ext uri="{FF2B5EF4-FFF2-40B4-BE49-F238E27FC236}">
-                <a16:creationId xmlns="" xmlns:a16="http://schemas.microsoft.com/office/drawing/2014/main" id="{19906801-963A-2748-A48D-2607EEFEA3B7}"/>
+                <a16:creationId xmlns:a16="http://schemas.microsoft.com/office/drawing/2014/main" xmlns="" id="{19906801-963A-2748-A48D-2607EEFEA3B7}"/>
               </a:ext>
             </a:extLst>
           </p:cNvPr>
@@ -6271,7 +6271,7 @@
           <p:cNvPr id="6" name="Text Placeholder 6">
             <a:extLst>
               <a:ext uri="{FF2B5EF4-FFF2-40B4-BE49-F238E27FC236}">
-                <a16:creationId xmlns="" xmlns:a16="http://schemas.microsoft.com/office/drawing/2014/main" id="{6DDF5AB6-195E-47F9-91E3-98E599C01EFB}"/>
+                <a16:creationId xmlns:a16="http://schemas.microsoft.com/office/drawing/2014/main" xmlns="" id="{6DDF5AB6-195E-47F9-91E3-98E599C01EFB}"/>
               </a:ext>
             </a:extLst>
           </p:cNvPr>
@@ -6569,7 +6569,7 @@
           <p:cNvPr id="9" name="Picture 8">
             <a:extLst>
               <a:ext uri="{FF2B5EF4-FFF2-40B4-BE49-F238E27FC236}">
-                <a16:creationId xmlns="" xmlns:a16="http://schemas.microsoft.com/office/drawing/2014/main" id="{320D1B1E-8401-8049-8729-0C74A6C1928C}"/>
+                <a16:creationId xmlns:a16="http://schemas.microsoft.com/office/drawing/2014/main" xmlns="" id="{320D1B1E-8401-8049-8729-0C74A6C1928C}"/>
               </a:ext>
             </a:extLst>
           </p:cNvPr>
@@ -6853,7 +6853,7 @@
           <p:cNvPr id="9" name="Rectangle 8">
             <a:extLst>
               <a:ext uri="{FF2B5EF4-FFF2-40B4-BE49-F238E27FC236}">
-                <a16:creationId xmlns="" xmlns:a16="http://schemas.microsoft.com/office/drawing/2014/main" id="{9CC0A6A9-FB31-4A19-A170-D23A18C938E0}"/>
+                <a16:creationId xmlns:a16="http://schemas.microsoft.com/office/drawing/2014/main" xmlns="" id="{9CC0A6A9-FB31-4A19-A170-D23A18C938E0}"/>
               </a:ext>
             </a:extLst>
           </p:cNvPr>
@@ -9438,7 +9438,7 @@
           <p:cNvPr id="22" name="Picture 21">
             <a:extLst>
               <a:ext uri="{FF2B5EF4-FFF2-40B4-BE49-F238E27FC236}">
-                <a16:creationId xmlns="" xmlns:a16="http://schemas.microsoft.com/office/drawing/2014/main" id="{D2C70A87-6824-3248-B448-307E7C5BC0C9}"/>
+                <a16:creationId xmlns:a16="http://schemas.microsoft.com/office/drawing/2014/main" xmlns="" id="{D2C70A87-6824-3248-B448-307E7C5BC0C9}"/>
               </a:ext>
             </a:extLst>
           </p:cNvPr>
@@ -9874,7 +9874,7 @@
           <p:cNvPr id="9" name="Picture 8">
             <a:extLst>
               <a:ext uri="{FF2B5EF4-FFF2-40B4-BE49-F238E27FC236}">
-                <a16:creationId xmlns="" xmlns:a16="http://schemas.microsoft.com/office/drawing/2014/main" id="{21C47469-3B03-E44C-89B5-F697BC2200BB}"/>
+                <a16:creationId xmlns:a16="http://schemas.microsoft.com/office/drawing/2014/main" xmlns="" id="{21C47469-3B03-E44C-89B5-F697BC2200BB}"/>
               </a:ext>
             </a:extLst>
           </p:cNvPr>
@@ -12336,7 +12336,7 @@
           <p:cNvPr id="10" name="Title 9">
             <a:extLst>
               <a:ext uri="{FF2B5EF4-FFF2-40B4-BE49-F238E27FC236}">
-                <a16:creationId xmlns="" xmlns:a16="http://schemas.microsoft.com/office/drawing/2014/main" id="{C2C01860-88AA-4983-9D84-DB6CD67B99FA}"/>
+                <a16:creationId xmlns:a16="http://schemas.microsoft.com/office/drawing/2014/main" xmlns="" id="{C2C01860-88AA-4983-9D84-DB6CD67B99FA}"/>
               </a:ext>
             </a:extLst>
           </p:cNvPr>
@@ -12365,7 +12365,7 @@
           <p:cNvPr id="11" name="Text Placeholder 10">
             <a:extLst>
               <a:ext uri="{FF2B5EF4-FFF2-40B4-BE49-F238E27FC236}">
-                <a16:creationId xmlns="" xmlns:a16="http://schemas.microsoft.com/office/drawing/2014/main" id="{CF3D1018-5EBF-47E8-BCA9-73CE5FFDDFC4}"/>
+                <a16:creationId xmlns:a16="http://schemas.microsoft.com/office/drawing/2014/main" xmlns="" id="{CF3D1018-5EBF-47E8-BCA9-73CE5FFDDFC4}"/>
               </a:ext>
             </a:extLst>
           </p:cNvPr>
@@ -14912,7 +14912,6 @@
               <a:rPr lang="en-US" dirty="0"/>
               <a:t>These two new methods are well understood, and the whitespace characters at the beginning and the end of the string are removed separately.</a:t>
             </a:r>
-            <a:endParaRPr lang="en-US" dirty="0"/>
           </a:p>
         </p:txBody>
       </p:sp>
@@ -16084,57 +16083,6 @@
       </p:sp>
       <p:sp>
         <p:nvSpPr>
-          <p:cNvPr id="3" name="Місце для тексту 2"/>
-          <p:cNvSpPr>
-            <a:spLocks noGrp="1"/>
-          </p:cNvSpPr>
-          <p:nvPr>
-            <p:ph type="body" sz="quarter" idx="10"/>
-          </p:nvPr>
-        </p:nvSpPr>
-        <p:spPr>
-          <a:xfrm>
-            <a:off x="606724" y="2799271"/>
-            <a:ext cx="10820400" cy="3429000"/>
-          </a:xfrm>
-        </p:spPr>
-        <p:txBody>
-          <a:bodyPr/>
-          <a:lstStyle/>
-          <a:p>
-            <a:r>
-              <a:rPr lang="en-US" dirty="0"/>
-              <a:t>New basic data type </a:t>
-            </a:r>
-            <a:r>
-              <a:rPr lang="en-US" dirty="0" err="1"/>
-              <a:t>BigInt</a:t>
-            </a:r>
-            <a:endParaRPr lang="en-US" dirty="0"/>
-          </a:p>
-          <a:p>
-            <a:r>
-              <a:rPr lang="en-US" dirty="0"/>
-              <a:t>There are now more than 5 basic data types (value types) (six types after ES6)! Plus </a:t>
-            </a:r>
-            <a:r>
-              <a:rPr lang="en-US" dirty="0" err="1"/>
-              <a:t>BigInt</a:t>
-            </a:r>
-            <a:r>
-              <a:rPr lang="en-US" dirty="0"/>
-              <a:t> has a total of seven basic data types, namely: String, Number, Boolean, Null, Undefined, Symbol, </a:t>
-            </a:r>
-            <a:r>
-              <a:rPr lang="en-US" dirty="0" err="1"/>
-              <a:t>BigInt</a:t>
-            </a:r>
-            <a:endParaRPr lang="uk-UA" dirty="0"/>
-          </a:p>
-        </p:txBody>
-      </p:sp>
-      <p:sp>
-        <p:nvSpPr>
           <p:cNvPr id="4" name="Прямокутник 3"/>
           <p:cNvSpPr/>
           <p:nvPr/>
@@ -16512,6 +16460,25 @@
           </a:prstGeom>
         </p:spPr>
       </p:pic>
+      <p:sp>
+        <p:nvSpPr>
+          <p:cNvPr id="6" name="Місце для тексту 5"/>
+          <p:cNvSpPr>
+            <a:spLocks noGrp="1"/>
+          </p:cNvSpPr>
+          <p:nvPr>
+            <p:ph type="body" sz="quarter" idx="10"/>
+          </p:nvPr>
+        </p:nvSpPr>
+        <p:spPr/>
+        <p:txBody>
+          <a:bodyPr/>
+          <a:lstStyle/>
+          <a:p>
+            <a:endParaRPr lang="uk-UA"/>
+          </a:p>
+        </p:txBody>
+      </p:sp>
     </p:spTree>
     <p:extLst>
       <p:ext uri="{BB962C8B-B14F-4D97-AF65-F5344CB8AC3E}">
@@ -16604,7 +16571,7 @@
           <p:cNvPr id="4" name="Title 3">
             <a:extLst>
               <a:ext uri="{FF2B5EF4-FFF2-40B4-BE49-F238E27FC236}">
-                <a16:creationId xmlns="" xmlns:a16="http://schemas.microsoft.com/office/drawing/2014/main" id="{9C0E98AF-C5CD-4FAB-A01E-D24E37D15F8E}"/>
+                <a16:creationId xmlns:a16="http://schemas.microsoft.com/office/drawing/2014/main" xmlns="" id="{9C0E98AF-C5CD-4FAB-A01E-D24E37D15F8E}"/>
               </a:ext>
             </a:extLst>
           </p:cNvPr>
@@ -16640,7 +16607,7 @@
           <p:cNvPr id="5" name="Text Placeholder 4">
             <a:extLst>
               <a:ext uri="{FF2B5EF4-FFF2-40B4-BE49-F238E27FC236}">
-                <a16:creationId xmlns="" xmlns:a16="http://schemas.microsoft.com/office/drawing/2014/main" id="{2D815465-9810-4297-B7C7-CB93EFFC3510}"/>
+                <a16:creationId xmlns:a16="http://schemas.microsoft.com/office/drawing/2014/main" xmlns="" id="{2D815465-9810-4297-B7C7-CB93EFFC3510}"/>
               </a:ext>
             </a:extLst>
           </p:cNvPr>
@@ -19607,6 +19574,15 @@
 </file>
 
 <file path=customXml/item1.xml><?xml version="1.0" encoding="utf-8"?>
+<?mso-contentType ?>
+<FormTemplates xmlns="http://schemas.microsoft.com/sharepoint/v3/contenttype/forms">
+  <Display>DocumentLibraryForm</Display>
+  <Edit>DocumentLibraryForm</Edit>
+  <New>DocumentLibraryForm</New>
+</FormTemplates>
+</file>
+
+<file path=customXml/item2.xml><?xml version="1.0" encoding="utf-8"?>
 <ct:contentTypeSchema xmlns:ct="http://schemas.microsoft.com/office/2006/metadata/contentType" xmlns:ma="http://schemas.microsoft.com/office/2006/metadata/properties/metaAttributes" ct:_="" ma:_="" ma:contentTypeName="Document" ma:contentTypeID="0x0101004195FC54A15F344D83577B1CDDD67A5D" ma:contentTypeVersion="13" ma:contentTypeDescription="Create a new document." ma:contentTypeScope="" ma:versionID="30ded57c9b2156718eb8cc7b0e4246dc">
   <xsd:schema xmlns:xsd="http://www.w3.org/2001/XMLSchema" xmlns:xs="http://www.w3.org/2001/XMLSchema" xmlns:p="http://schemas.microsoft.com/office/2006/metadata/properties" xmlns:ns2="341e6018-ac0a-4dfb-8409-db9e0d25502e" xmlns:ns3="835f28f2-30f1-4728-84d2-86d96e143488" targetNamespace="http://schemas.microsoft.com/office/2006/metadata/properties" ma:root="true" ma:fieldsID="a0d1831635397921c92a19e568dfc949" ns2:_="" ns3:_="">
     <xsd:import namespace="341e6018-ac0a-4dfb-8409-db9e0d25502e"/>
@@ -19831,15 +19807,6 @@
 </ct:contentTypeSchema>
 </file>
 
-<file path=customXml/item2.xml><?xml version="1.0" encoding="utf-8"?>
-<?mso-contentType ?>
-<FormTemplates xmlns="http://schemas.microsoft.com/sharepoint/v3/contenttype/forms">
-  <Display>DocumentLibraryForm</Display>
-  <Edit>DocumentLibraryForm</Edit>
-  <New>DocumentLibraryForm</New>
-</FormTemplates>
-</file>
-
 <file path=customXml/item3.xml><?xml version="1.0" encoding="utf-8"?>
 <p:properties xmlns:p="http://schemas.microsoft.com/office/2006/metadata/properties" xmlns:xsi="http://www.w3.org/2001/XMLSchema-instance" xmlns:pc="http://schemas.microsoft.com/office/infopath/2007/PartnerControls">
   <documentManagement>
@@ -19849,6 +19816,14 @@
 </file>
 
 <file path=customXml/itemProps1.xml><?xml version="1.0" encoding="utf-8"?>
+<ds:datastoreItem xmlns:ds="http://schemas.openxmlformats.org/officeDocument/2006/customXml" ds:itemID="{296B3B9E-03D8-4766-BF45-6129617CF026}">
+  <ds:schemaRefs>
+    <ds:schemaRef ds:uri="http://schemas.microsoft.com/sharepoint/v3/contenttype/forms"/>
+  </ds:schemaRefs>
+</ds:datastoreItem>
+</file>
+
+<file path=customXml/itemProps2.xml><?xml version="1.0" encoding="utf-8"?>
 <ds:datastoreItem xmlns:ds="http://schemas.openxmlformats.org/officeDocument/2006/customXml" ds:itemID="{5BCFD5A9-9FF3-42E0-89D7-BF5BFC61DD60}">
   <ds:schemaRefs>
     <ds:schemaRef ds:uri="341e6018-ac0a-4dfb-8409-db9e0d25502e"/>
@@ -19863,14 +19838,6 @@
     <ds:schemaRef ds:uri="http://schemas.microsoft.com/office/infopath/2007/PartnerControls"/>
     <ds:schemaRef ds:uri="http://schemas.openxmlformats.org/package/2006/metadata/core-properties"/>
     <ds:schemaRef ds:uri="http://www.w3.org/2001/XMLSchema"/>
-  </ds:schemaRefs>
-</ds:datastoreItem>
-</file>
-
-<file path=customXml/itemProps2.xml><?xml version="1.0" encoding="utf-8"?>
-<ds:datastoreItem xmlns:ds="http://schemas.openxmlformats.org/officeDocument/2006/customXml" ds:itemID="{296B3B9E-03D8-4766-BF45-6129617CF026}">
-  <ds:schemaRefs>
-    <ds:schemaRef ds:uri="http://schemas.microsoft.com/sharepoint/v3/contenttype/forms"/>
   </ds:schemaRefs>
 </ds:datastoreItem>
 </file>
